--- a/05. CSS Grid/05. CSS Grid - Introduction.pptx
+++ b/05. CSS Grid/05. CSS Grid - Introduction.pptx
@@ -364,7 +364,7 @@
           <a:p>
             <a:fld id="{44BF7E79-A73C-4B14-A500-2DC639C8360F}" type="datetimeFigureOut">
               <a:rPr lang="bg-BG" smtClean="0"/>
-              <a:t>16.05.2019</a:t>
+              <a:t>22.05.2019</a:t>
             </a:fld>
             <a:endParaRPr lang="bg-BG" dirty="0"/>
           </a:p>
@@ -564,7 +564,7 @@
           <a:p>
             <a:fld id="{44BF7E79-A73C-4B14-A500-2DC639C8360F}" type="datetimeFigureOut">
               <a:rPr lang="bg-BG" smtClean="0"/>
-              <a:t>16.05.2019</a:t>
+              <a:t>22.05.2019</a:t>
             </a:fld>
             <a:endParaRPr lang="bg-BG" dirty="0"/>
           </a:p>
@@ -774,7 +774,7 @@
           <a:p>
             <a:fld id="{44BF7E79-A73C-4B14-A500-2DC639C8360F}" type="datetimeFigureOut">
               <a:rPr lang="bg-BG" smtClean="0"/>
-              <a:t>16.05.2019</a:t>
+              <a:t>22.05.2019</a:t>
             </a:fld>
             <a:endParaRPr lang="bg-BG" dirty="0"/>
           </a:p>
@@ -974,7 +974,7 @@
           <a:p>
             <a:fld id="{44BF7E79-A73C-4B14-A500-2DC639C8360F}" type="datetimeFigureOut">
               <a:rPr lang="bg-BG" smtClean="0"/>
-              <a:t>16.05.2019</a:t>
+              <a:t>22.05.2019</a:t>
             </a:fld>
             <a:endParaRPr lang="bg-BG" dirty="0"/>
           </a:p>
@@ -1250,7 +1250,7 @@
           <a:p>
             <a:fld id="{44BF7E79-A73C-4B14-A500-2DC639C8360F}" type="datetimeFigureOut">
               <a:rPr lang="bg-BG" smtClean="0"/>
-              <a:t>16.05.2019</a:t>
+              <a:t>22.05.2019</a:t>
             </a:fld>
             <a:endParaRPr lang="bg-BG" dirty="0"/>
           </a:p>
@@ -1518,7 +1518,7 @@
           <a:p>
             <a:fld id="{44BF7E79-A73C-4B14-A500-2DC639C8360F}" type="datetimeFigureOut">
               <a:rPr lang="bg-BG" smtClean="0"/>
-              <a:t>16.05.2019</a:t>
+              <a:t>22.05.2019</a:t>
             </a:fld>
             <a:endParaRPr lang="bg-BG" dirty="0"/>
           </a:p>
@@ -1933,7 +1933,7 @@
           <a:p>
             <a:fld id="{44BF7E79-A73C-4B14-A500-2DC639C8360F}" type="datetimeFigureOut">
               <a:rPr lang="bg-BG" smtClean="0"/>
-              <a:t>16.05.2019</a:t>
+              <a:t>22.05.2019</a:t>
             </a:fld>
             <a:endParaRPr lang="bg-BG" dirty="0"/>
           </a:p>
@@ -2075,7 +2075,7 @@
           <a:p>
             <a:fld id="{44BF7E79-A73C-4B14-A500-2DC639C8360F}" type="datetimeFigureOut">
               <a:rPr lang="bg-BG" smtClean="0"/>
-              <a:t>16.05.2019</a:t>
+              <a:t>22.05.2019</a:t>
             </a:fld>
             <a:endParaRPr lang="bg-BG" dirty="0"/>
           </a:p>
@@ -2188,7 +2188,7 @@
           <a:p>
             <a:fld id="{44BF7E79-A73C-4B14-A500-2DC639C8360F}" type="datetimeFigureOut">
               <a:rPr lang="bg-BG" smtClean="0"/>
-              <a:t>16.05.2019</a:t>
+              <a:t>22.05.2019</a:t>
             </a:fld>
             <a:endParaRPr lang="bg-BG" dirty="0"/>
           </a:p>
@@ -2501,7 +2501,7 @@
           <a:p>
             <a:fld id="{44BF7E79-A73C-4B14-A500-2DC639C8360F}" type="datetimeFigureOut">
               <a:rPr lang="bg-BG" smtClean="0"/>
-              <a:t>16.05.2019</a:t>
+              <a:t>22.05.2019</a:t>
             </a:fld>
             <a:endParaRPr lang="bg-BG" dirty="0"/>
           </a:p>
@@ -2790,7 +2790,7 @@
           <a:p>
             <a:fld id="{44BF7E79-A73C-4B14-A500-2DC639C8360F}" type="datetimeFigureOut">
               <a:rPr lang="bg-BG" smtClean="0"/>
-              <a:t>16.05.2019</a:t>
+              <a:t>22.05.2019</a:t>
             </a:fld>
             <a:endParaRPr lang="bg-BG" dirty="0"/>
           </a:p>
@@ -3033,7 +3033,7 @@
           <a:p>
             <a:fld id="{44BF7E79-A73C-4B14-A500-2DC639C8360F}" type="datetimeFigureOut">
               <a:rPr lang="bg-BG" smtClean="0"/>
-              <a:t>16.05.2019</a:t>
+              <a:t>22.05.2019</a:t>
             </a:fld>
             <a:endParaRPr lang="bg-BG" dirty="0"/>
           </a:p>
@@ -4014,7 +4014,11 @@
             </a:lvl1pPr>
           </a:lstStyle>
           <a:p>
-            <a:pPr algn="l"/>
+            <a:pPr algn="l">
+              <a:lnSpc>
+                <a:spcPct val="120000"/>
+              </a:lnSpc>
+            </a:pPr>
             <a:r>
               <a:rPr lang="en-US" sz="2400" dirty="0">
                 <a:solidFill>
@@ -4331,7 +4335,11 @@
             </a:lvl1pPr>
           </a:lstStyle>
           <a:p>
-            <a:pPr algn="l"/>
+            <a:pPr algn="l">
+              <a:lnSpc>
+                <a:spcPct val="120000"/>
+              </a:lnSpc>
+            </a:pPr>
             <a:r>
               <a:rPr lang="en-US" sz="2400" dirty="0">
                 <a:solidFill>
@@ -4601,7 +4609,11 @@
             </a:lvl1pPr>
           </a:lstStyle>
           <a:p>
-            <a:pPr algn="l"/>
+            <a:pPr algn="l">
+              <a:lnSpc>
+                <a:spcPct val="120000"/>
+              </a:lnSpc>
+            </a:pPr>
             <a:r>
               <a:rPr lang="en-US" sz="2400" dirty="0">
                 <a:solidFill>
@@ -5099,8 +5111,8 @@
         </p:nvSpPr>
         <p:spPr>
           <a:xfrm>
-            <a:off x="1524000" y="1600200"/>
-            <a:ext cx="10363200" cy="1110780"/>
+            <a:off x="1524000" y="1600199"/>
+            <a:ext cx="10363200" cy="1400175"/>
           </a:xfrm>
           <a:prstGeom prst="rect">
             <a:avLst/>
@@ -5130,7 +5142,11 @@
             </a:lvl1pPr>
           </a:lstStyle>
           <a:p>
-            <a:pPr algn="l"/>
+            <a:pPr algn="l">
+              <a:lnSpc>
+                <a:spcPct val="120000"/>
+              </a:lnSpc>
+            </a:pPr>
             <a:r>
               <a:rPr lang="en-US" sz="2400" dirty="0">
                 <a:solidFill>
@@ -5718,7 +5734,11 @@
             </a:lvl1pPr>
           </a:lstStyle>
           <a:p>
-            <a:pPr algn="l"/>
+            <a:pPr algn="l">
+              <a:lnSpc>
+                <a:spcPct val="120000"/>
+              </a:lnSpc>
+            </a:pPr>
             <a:r>
               <a:rPr lang="en-US" sz="2300" dirty="0">
                 <a:solidFill>
@@ -5798,7 +5818,11 @@
             </a:r>
           </a:p>
           <a:p>
-            <a:pPr algn="l"/>
+            <a:pPr algn="l">
+              <a:lnSpc>
+                <a:spcPct val="120000"/>
+              </a:lnSpc>
+            </a:pPr>
             <a:endParaRPr lang="en-US" sz="2300" dirty="0">
               <a:solidFill>
                 <a:srgbClr val="002060"/>
@@ -5807,7 +5831,11 @@
             </a:endParaRPr>
           </a:p>
           <a:p>
-            <a:pPr algn="l"/>
+            <a:pPr algn="l">
+              <a:lnSpc>
+                <a:spcPct val="120000"/>
+              </a:lnSpc>
+            </a:pPr>
             <a:r>
               <a:rPr lang="en-US" sz="2300" dirty="0">
                 <a:solidFill>
@@ -9560,7 +9588,11 @@
             </a:lvl1pPr>
           </a:lstStyle>
           <a:p>
-            <a:pPr algn="l"/>
+            <a:pPr algn="l">
+              <a:lnSpc>
+                <a:spcPct val="120000"/>
+              </a:lnSpc>
+            </a:pPr>
             <a:r>
               <a:rPr lang="en-US" sz="2300" dirty="0">
                 <a:solidFill>
